--- a/Mechanical/Schemenskizzen/Powerpoint/Futterplatte.pptx
+++ b/Mechanical/Schemenskizzen/Powerpoint/Futterplatte.pptx
@@ -104,6 +104,11 @@
       </a:defRPr>
     </a:lvl9pPr>
   </p:defaultTextStyle>
+  <p:extLst>
+    <p:ext uri="{EFAFB233-063F-42B5-8137-9DF3F51BA10A}">
+      <p15:sldGuideLst xmlns:p15="http://schemas.microsoft.com/office/powerpoint/2012/main"/>
+    </p:ext>
+  </p:extLst>
 </p:presentation>
 </file>
 
@@ -256,7 +261,7 @@
           <a:p>
             <a:fld id="{E29DB45E-0DD5-46E7-AE63-821D86886A27}" type="datetimeFigureOut">
               <a:rPr lang="de-AT" smtClean="0"/>
-              <a:t>09.02.2018</a:t>
+              <a:t>15.02.2018</a:t>
             </a:fld>
             <a:endParaRPr lang="de-AT"/>
           </a:p>
@@ -456,7 +461,7 @@
           <a:p>
             <a:fld id="{E29DB45E-0DD5-46E7-AE63-821D86886A27}" type="datetimeFigureOut">
               <a:rPr lang="de-AT" smtClean="0"/>
-              <a:t>09.02.2018</a:t>
+              <a:t>15.02.2018</a:t>
             </a:fld>
             <a:endParaRPr lang="de-AT"/>
           </a:p>
@@ -666,7 +671,7 @@
           <a:p>
             <a:fld id="{E29DB45E-0DD5-46E7-AE63-821D86886A27}" type="datetimeFigureOut">
               <a:rPr lang="de-AT" smtClean="0"/>
-              <a:t>09.02.2018</a:t>
+              <a:t>15.02.2018</a:t>
             </a:fld>
             <a:endParaRPr lang="de-AT"/>
           </a:p>
@@ -866,7 +871,7 @@
           <a:p>
             <a:fld id="{E29DB45E-0DD5-46E7-AE63-821D86886A27}" type="datetimeFigureOut">
               <a:rPr lang="de-AT" smtClean="0"/>
-              <a:t>09.02.2018</a:t>
+              <a:t>15.02.2018</a:t>
             </a:fld>
             <a:endParaRPr lang="de-AT"/>
           </a:p>
@@ -1142,7 +1147,7 @@
           <a:p>
             <a:fld id="{E29DB45E-0DD5-46E7-AE63-821D86886A27}" type="datetimeFigureOut">
               <a:rPr lang="de-AT" smtClean="0"/>
-              <a:t>09.02.2018</a:t>
+              <a:t>15.02.2018</a:t>
             </a:fld>
             <a:endParaRPr lang="de-AT"/>
           </a:p>
@@ -1410,7 +1415,7 @@
           <a:p>
             <a:fld id="{E29DB45E-0DD5-46E7-AE63-821D86886A27}" type="datetimeFigureOut">
               <a:rPr lang="de-AT" smtClean="0"/>
-              <a:t>09.02.2018</a:t>
+              <a:t>15.02.2018</a:t>
             </a:fld>
             <a:endParaRPr lang="de-AT"/>
           </a:p>
@@ -1825,7 +1830,7 @@
           <a:p>
             <a:fld id="{E29DB45E-0DD5-46E7-AE63-821D86886A27}" type="datetimeFigureOut">
               <a:rPr lang="de-AT" smtClean="0"/>
-              <a:t>09.02.2018</a:t>
+              <a:t>15.02.2018</a:t>
             </a:fld>
             <a:endParaRPr lang="de-AT"/>
           </a:p>
@@ -1967,7 +1972,7 @@
           <a:p>
             <a:fld id="{E29DB45E-0DD5-46E7-AE63-821D86886A27}" type="datetimeFigureOut">
               <a:rPr lang="de-AT" smtClean="0"/>
-              <a:t>09.02.2018</a:t>
+              <a:t>15.02.2018</a:t>
             </a:fld>
             <a:endParaRPr lang="de-AT"/>
           </a:p>
@@ -2080,7 +2085,7 @@
           <a:p>
             <a:fld id="{E29DB45E-0DD5-46E7-AE63-821D86886A27}" type="datetimeFigureOut">
               <a:rPr lang="de-AT" smtClean="0"/>
-              <a:t>09.02.2018</a:t>
+              <a:t>15.02.2018</a:t>
             </a:fld>
             <a:endParaRPr lang="de-AT"/>
           </a:p>
@@ -2393,7 +2398,7 @@
           <a:p>
             <a:fld id="{E29DB45E-0DD5-46E7-AE63-821D86886A27}" type="datetimeFigureOut">
               <a:rPr lang="de-AT" smtClean="0"/>
-              <a:t>09.02.2018</a:t>
+              <a:t>15.02.2018</a:t>
             </a:fld>
             <a:endParaRPr lang="de-AT"/>
           </a:p>
@@ -2682,7 +2687,7 @@
           <a:p>
             <a:fld id="{E29DB45E-0DD5-46E7-AE63-821D86886A27}" type="datetimeFigureOut">
               <a:rPr lang="de-AT" smtClean="0"/>
-              <a:t>09.02.2018</a:t>
+              <a:t>15.02.2018</a:t>
             </a:fld>
             <a:endParaRPr lang="de-AT"/>
           </a:p>
@@ -2925,7 +2930,7 @@
           <a:p>
             <a:fld id="{E29DB45E-0DD5-46E7-AE63-821D86886A27}" type="datetimeFigureOut">
               <a:rPr lang="de-AT" smtClean="0"/>
-              <a:t>09.02.2018</a:t>
+              <a:t>15.02.2018</a:t>
             </a:fld>
             <a:endParaRPr lang="de-AT"/>
           </a:p>
@@ -3342,1078 +3347,1141 @@
           <a:chExt cx="0" cy="0"/>
         </a:xfrm>
       </p:grpSpPr>
-      <p:sp>
-        <p:nvSpPr>
-          <p:cNvPr id="5" name="Ellipse 4">
-            <a:extLst>
-              <a:ext uri="{FF2B5EF4-FFF2-40B4-BE49-F238E27FC236}">
-                <a16:creationId xmlns:a16="http://schemas.microsoft.com/office/drawing/2014/main" id="{D7B2A69F-73C0-4163-AD02-4CFDF261E8D3}"/>
-              </a:ext>
-            </a:extLst>
-          </p:cNvPr>
-          <p:cNvSpPr/>
+      <p:grpSp>
+        <p:nvGrpSpPr>
+          <p:cNvPr id="4" name="Gruppieren 3">
+            <a:extLst>
+              <a:ext uri="{FF2B5EF4-FFF2-40B4-BE49-F238E27FC236}">
+                <a16:creationId xmlns:a16="http://schemas.microsoft.com/office/drawing/2014/main" id="{2315733E-9D37-4BD0-AD55-741B5BAD1FC8}"/>
+              </a:ext>
+            </a:extLst>
+          </p:cNvPr>
+          <p:cNvGrpSpPr/>
           <p:nvPr/>
-        </p:nvSpPr>
-        <p:spPr>
+        </p:nvGrpSpPr>
+        <p:grpSpPr>
           <a:xfrm>
-            <a:off x="4306956" y="874644"/>
-            <a:ext cx="2650434" cy="2650434"/>
+            <a:off x="3999103" y="386226"/>
+            <a:ext cx="3415749" cy="5844209"/>
+            <a:chOff x="3999103" y="386226"/>
+            <a:chExt cx="3415749" cy="5844209"/>
           </a:xfrm>
-          <a:prstGeom prst="ellipse">
-            <a:avLst/>
-          </a:prstGeom>
-          <a:solidFill>
-            <a:schemeClr val="accent1">
-              <a:lumMod val="40000"/>
-              <a:lumOff val="60000"/>
-            </a:schemeClr>
-          </a:solidFill>
-        </p:spPr>
-        <p:style>
-          <a:lnRef idx="2">
-            <a:schemeClr val="accent1">
-              <a:shade val="50000"/>
-            </a:schemeClr>
-          </a:lnRef>
-          <a:fillRef idx="1">
-            <a:schemeClr val="accent1"/>
-          </a:fillRef>
-          <a:effectRef idx="0">
-            <a:schemeClr val="accent1"/>
-          </a:effectRef>
-          <a:fontRef idx="minor">
-            <a:schemeClr val="lt1"/>
-          </a:fontRef>
-        </p:style>
-        <p:txBody>
-          <a:bodyPr rtlCol="0" anchor="ctr"/>
-          <a:lstStyle/>
-          <a:p>
-            <a:pPr algn="ctr"/>
-            <a:endParaRPr lang="de-AT"/>
-          </a:p>
-        </p:txBody>
-      </p:sp>
-      <p:sp>
-        <p:nvSpPr>
-          <p:cNvPr id="6" name="Ellipse 5">
-            <a:extLst>
-              <a:ext uri="{FF2B5EF4-FFF2-40B4-BE49-F238E27FC236}">
-                <a16:creationId xmlns:a16="http://schemas.microsoft.com/office/drawing/2014/main" id="{D79F6443-80B9-4E84-9928-0B91D2B30BEB}"/>
-              </a:ext>
-            </a:extLst>
-          </p:cNvPr>
-          <p:cNvSpPr/>
-          <p:nvPr/>
-        </p:nvSpPr>
-        <p:spPr>
-          <a:xfrm>
-            <a:off x="5493025" y="2060713"/>
-            <a:ext cx="278296" cy="278296"/>
-          </a:xfrm>
-          <a:prstGeom prst="ellipse">
-            <a:avLst/>
-          </a:prstGeom>
-        </p:spPr>
-        <p:style>
-          <a:lnRef idx="2">
-            <a:schemeClr val="accent1">
-              <a:shade val="50000"/>
-            </a:schemeClr>
-          </a:lnRef>
-          <a:fillRef idx="1">
-            <a:schemeClr val="accent1"/>
-          </a:fillRef>
-          <a:effectRef idx="0">
-            <a:schemeClr val="accent1"/>
-          </a:effectRef>
-          <a:fontRef idx="minor">
-            <a:schemeClr val="lt1"/>
-          </a:fontRef>
-        </p:style>
-        <p:txBody>
-          <a:bodyPr rtlCol="0" anchor="ctr"/>
-          <a:lstStyle/>
-          <a:p>
-            <a:pPr algn="ctr"/>
-            <a:endParaRPr lang="de-AT"/>
-          </a:p>
-        </p:txBody>
-      </p:sp>
-      <p:sp>
-        <p:nvSpPr>
-          <p:cNvPr id="7" name="Ellipse 6">
-            <a:extLst>
-              <a:ext uri="{FF2B5EF4-FFF2-40B4-BE49-F238E27FC236}">
-                <a16:creationId xmlns:a16="http://schemas.microsoft.com/office/drawing/2014/main" id="{523254AD-3360-40DE-A1F8-2A8EA8C25ACB}"/>
-              </a:ext>
-            </a:extLst>
-          </p:cNvPr>
-          <p:cNvSpPr/>
-          <p:nvPr/>
-        </p:nvSpPr>
-        <p:spPr>
-          <a:xfrm>
-            <a:off x="4717772" y="1417982"/>
-            <a:ext cx="583096" cy="583096"/>
-          </a:xfrm>
-          <a:prstGeom prst="ellipse">
-            <a:avLst/>
-          </a:prstGeom>
-          <a:solidFill>
-            <a:schemeClr val="accent2">
-              <a:lumMod val="40000"/>
-              <a:lumOff val="60000"/>
-            </a:schemeClr>
-          </a:solidFill>
-        </p:spPr>
-        <p:style>
-          <a:lnRef idx="2">
-            <a:schemeClr val="accent1">
-              <a:shade val="50000"/>
-            </a:schemeClr>
-          </a:lnRef>
-          <a:fillRef idx="1">
-            <a:schemeClr val="accent1"/>
-          </a:fillRef>
-          <a:effectRef idx="0">
-            <a:schemeClr val="accent1"/>
-          </a:effectRef>
-          <a:fontRef idx="minor">
-            <a:schemeClr val="lt1"/>
-          </a:fontRef>
-        </p:style>
-        <p:txBody>
-          <a:bodyPr rtlCol="0" anchor="ctr"/>
-          <a:lstStyle/>
-          <a:p>
-            <a:pPr algn="ctr"/>
-            <a:endParaRPr lang="de-AT"/>
-          </a:p>
-        </p:txBody>
-      </p:sp>
-      <p:sp>
-        <p:nvSpPr>
-          <p:cNvPr id="8" name="Ellipse 7">
-            <a:extLst>
-              <a:ext uri="{FF2B5EF4-FFF2-40B4-BE49-F238E27FC236}">
-                <a16:creationId xmlns:a16="http://schemas.microsoft.com/office/drawing/2014/main" id="{5B504F62-C758-43E6-B6F2-0AB12DBD4B19}"/>
-              </a:ext>
-            </a:extLst>
-          </p:cNvPr>
-          <p:cNvSpPr/>
-          <p:nvPr/>
-        </p:nvSpPr>
-        <p:spPr>
-          <a:xfrm>
-            <a:off x="5963478" y="1417982"/>
-            <a:ext cx="583096" cy="583096"/>
-          </a:xfrm>
-          <a:prstGeom prst="ellipse">
-            <a:avLst/>
-          </a:prstGeom>
-          <a:solidFill>
-            <a:schemeClr val="accent2">
-              <a:lumMod val="40000"/>
-              <a:lumOff val="60000"/>
-            </a:schemeClr>
-          </a:solidFill>
-        </p:spPr>
-        <p:style>
-          <a:lnRef idx="2">
-            <a:schemeClr val="accent1">
-              <a:shade val="50000"/>
-            </a:schemeClr>
-          </a:lnRef>
-          <a:fillRef idx="1">
-            <a:schemeClr val="accent1"/>
-          </a:fillRef>
-          <a:effectRef idx="0">
-            <a:schemeClr val="accent1"/>
-          </a:effectRef>
-          <a:fontRef idx="minor">
-            <a:schemeClr val="lt1"/>
-          </a:fontRef>
-        </p:style>
-        <p:txBody>
-          <a:bodyPr rtlCol="0" anchor="ctr"/>
-          <a:lstStyle/>
-          <a:p>
-            <a:pPr algn="ctr"/>
-            <a:endParaRPr lang="de-AT"/>
-          </a:p>
-        </p:txBody>
-      </p:sp>
-      <p:sp>
-        <p:nvSpPr>
-          <p:cNvPr id="9" name="Ellipse 8">
-            <a:extLst>
-              <a:ext uri="{FF2B5EF4-FFF2-40B4-BE49-F238E27FC236}">
-                <a16:creationId xmlns:a16="http://schemas.microsoft.com/office/drawing/2014/main" id="{72586CFF-6190-40B2-BFAD-1FAC8C2DA421}"/>
-              </a:ext>
-            </a:extLst>
-          </p:cNvPr>
-          <p:cNvSpPr/>
-          <p:nvPr/>
-        </p:nvSpPr>
-        <p:spPr>
-          <a:xfrm>
-            <a:off x="4724396" y="2471530"/>
-            <a:ext cx="583096" cy="583096"/>
-          </a:xfrm>
-          <a:prstGeom prst="ellipse">
-            <a:avLst/>
-          </a:prstGeom>
-          <a:solidFill>
-            <a:schemeClr val="accent2">
-              <a:lumMod val="40000"/>
-              <a:lumOff val="60000"/>
-            </a:schemeClr>
-          </a:solidFill>
-        </p:spPr>
-        <p:style>
-          <a:lnRef idx="2">
-            <a:schemeClr val="accent1">
-              <a:shade val="50000"/>
-            </a:schemeClr>
-          </a:lnRef>
-          <a:fillRef idx="1">
-            <a:schemeClr val="accent1"/>
-          </a:fillRef>
-          <a:effectRef idx="0">
-            <a:schemeClr val="accent1"/>
-          </a:effectRef>
-          <a:fontRef idx="minor">
-            <a:schemeClr val="lt1"/>
-          </a:fontRef>
-        </p:style>
-        <p:txBody>
-          <a:bodyPr rtlCol="0" anchor="ctr"/>
-          <a:lstStyle/>
-          <a:p>
-            <a:pPr algn="ctr"/>
-            <a:endParaRPr lang="de-AT"/>
-          </a:p>
-        </p:txBody>
-      </p:sp>
-      <p:sp>
-        <p:nvSpPr>
-          <p:cNvPr id="10" name="Ellipse 9">
-            <a:extLst>
-              <a:ext uri="{FF2B5EF4-FFF2-40B4-BE49-F238E27FC236}">
-                <a16:creationId xmlns:a16="http://schemas.microsoft.com/office/drawing/2014/main" id="{29A00750-B957-4A41-B314-3E8DEC960E15}"/>
-              </a:ext>
-            </a:extLst>
-          </p:cNvPr>
-          <p:cNvSpPr/>
-          <p:nvPr/>
-        </p:nvSpPr>
-        <p:spPr>
-          <a:xfrm>
-            <a:off x="5963478" y="2481469"/>
-            <a:ext cx="583096" cy="583096"/>
-          </a:xfrm>
-          <a:prstGeom prst="ellipse">
-            <a:avLst/>
-          </a:prstGeom>
-          <a:solidFill>
-            <a:schemeClr val="accent2">
-              <a:lumMod val="40000"/>
-              <a:lumOff val="60000"/>
-            </a:schemeClr>
-          </a:solidFill>
-        </p:spPr>
-        <p:style>
-          <a:lnRef idx="2">
-            <a:schemeClr val="accent1">
-              <a:shade val="50000"/>
-            </a:schemeClr>
-          </a:lnRef>
-          <a:fillRef idx="1">
-            <a:schemeClr val="accent1"/>
-          </a:fillRef>
-          <a:effectRef idx="0">
-            <a:schemeClr val="accent1"/>
-          </a:effectRef>
-          <a:fontRef idx="minor">
-            <a:schemeClr val="lt1"/>
-          </a:fontRef>
-        </p:style>
-        <p:txBody>
-          <a:bodyPr rtlCol="0" anchor="ctr"/>
-          <a:lstStyle/>
-          <a:p>
-            <a:pPr algn="ctr"/>
-            <a:endParaRPr lang="de-AT"/>
-          </a:p>
-        </p:txBody>
-      </p:sp>
-      <p:sp>
-        <p:nvSpPr>
-          <p:cNvPr id="11" name="Rechteck 10">
-            <a:extLst>
-              <a:ext uri="{FF2B5EF4-FFF2-40B4-BE49-F238E27FC236}">
-                <a16:creationId xmlns:a16="http://schemas.microsoft.com/office/drawing/2014/main" id="{EBC43241-0F08-4CA6-9C61-44E1715EFE0F}"/>
-              </a:ext>
-            </a:extLst>
-          </p:cNvPr>
-          <p:cNvSpPr/>
-          <p:nvPr/>
-        </p:nvSpPr>
-        <p:spPr>
-          <a:xfrm>
-            <a:off x="5493024" y="3823250"/>
-            <a:ext cx="278297" cy="2266122"/>
-          </a:xfrm>
-          <a:prstGeom prst="rect">
-            <a:avLst/>
-          </a:prstGeom>
-        </p:spPr>
-        <p:style>
-          <a:lnRef idx="2">
-            <a:schemeClr val="accent1">
-              <a:shade val="50000"/>
-            </a:schemeClr>
-          </a:lnRef>
-          <a:fillRef idx="1">
-            <a:schemeClr val="accent1"/>
-          </a:fillRef>
-          <a:effectRef idx="0">
-            <a:schemeClr val="accent1"/>
-          </a:effectRef>
-          <a:fontRef idx="minor">
-            <a:schemeClr val="lt1"/>
-          </a:fontRef>
-        </p:style>
-        <p:txBody>
-          <a:bodyPr rtlCol="0" anchor="ctr"/>
-          <a:lstStyle/>
-          <a:p>
-            <a:pPr algn="ctr"/>
-            <a:endParaRPr lang="de-AT"/>
-          </a:p>
-        </p:txBody>
-      </p:sp>
-      <p:sp>
-        <p:nvSpPr>
-          <p:cNvPr id="12" name="Rechteck 11">
-            <a:extLst>
-              <a:ext uri="{FF2B5EF4-FFF2-40B4-BE49-F238E27FC236}">
-                <a16:creationId xmlns:a16="http://schemas.microsoft.com/office/drawing/2014/main" id="{40E12B9A-80FF-490C-A263-40B079DE2738}"/>
-              </a:ext>
-            </a:extLst>
-          </p:cNvPr>
-          <p:cNvSpPr/>
-          <p:nvPr/>
-        </p:nvSpPr>
-        <p:spPr>
-          <a:xfrm>
-            <a:off x="4306955" y="5380383"/>
-            <a:ext cx="2650434" cy="119270"/>
-          </a:xfrm>
-          <a:prstGeom prst="rect">
-            <a:avLst/>
-          </a:prstGeom>
-          <a:solidFill>
-            <a:schemeClr val="accent1">
-              <a:lumMod val="60000"/>
-              <a:lumOff val="40000"/>
-            </a:schemeClr>
-          </a:solidFill>
-        </p:spPr>
-        <p:style>
-          <a:lnRef idx="2">
-            <a:schemeClr val="accent1">
-              <a:shade val="50000"/>
-            </a:schemeClr>
-          </a:lnRef>
-          <a:fillRef idx="1">
-            <a:schemeClr val="accent1"/>
-          </a:fillRef>
-          <a:effectRef idx="0">
-            <a:schemeClr val="accent1"/>
-          </a:effectRef>
-          <a:fontRef idx="minor">
-            <a:schemeClr val="lt1"/>
-          </a:fontRef>
-        </p:style>
-        <p:txBody>
-          <a:bodyPr rtlCol="0" anchor="ctr"/>
-          <a:lstStyle/>
-          <a:p>
-            <a:pPr algn="ctr"/>
-            <a:endParaRPr lang="de-AT"/>
-          </a:p>
-        </p:txBody>
-      </p:sp>
-      <p:sp>
-        <p:nvSpPr>
-          <p:cNvPr id="13" name="Trapezoid 12">
-            <a:extLst>
-              <a:ext uri="{FF2B5EF4-FFF2-40B4-BE49-F238E27FC236}">
-                <a16:creationId xmlns:a16="http://schemas.microsoft.com/office/drawing/2014/main" id="{DAEA87E5-E2DC-4414-823C-3608122FD8EF}"/>
-              </a:ext>
-            </a:extLst>
-          </p:cNvPr>
-          <p:cNvSpPr/>
-          <p:nvPr/>
-        </p:nvSpPr>
-        <p:spPr>
-          <a:xfrm>
-            <a:off x="4562059" y="5092148"/>
-            <a:ext cx="675861" cy="288235"/>
-          </a:xfrm>
-          <a:prstGeom prst="trapezoid">
-            <a:avLst/>
-          </a:prstGeom>
-          <a:solidFill>
-            <a:schemeClr val="accent2">
-              <a:lumMod val="40000"/>
-              <a:lumOff val="60000"/>
-            </a:schemeClr>
-          </a:solidFill>
-        </p:spPr>
-        <p:style>
-          <a:lnRef idx="2">
-            <a:schemeClr val="accent1">
-              <a:shade val="50000"/>
-            </a:schemeClr>
-          </a:lnRef>
-          <a:fillRef idx="1">
-            <a:schemeClr val="accent1"/>
-          </a:fillRef>
-          <a:effectRef idx="0">
-            <a:schemeClr val="accent1"/>
-          </a:effectRef>
-          <a:fontRef idx="minor">
-            <a:schemeClr val="lt1"/>
-          </a:fontRef>
-        </p:style>
-        <p:txBody>
-          <a:bodyPr rtlCol="0" anchor="ctr"/>
-          <a:lstStyle/>
-          <a:p>
-            <a:pPr algn="ctr"/>
-            <a:endParaRPr lang="de-AT"/>
-          </a:p>
-        </p:txBody>
-      </p:sp>
-      <p:sp>
-        <p:nvSpPr>
-          <p:cNvPr id="14" name="Trapezoid 13">
-            <a:extLst>
-              <a:ext uri="{FF2B5EF4-FFF2-40B4-BE49-F238E27FC236}">
-                <a16:creationId xmlns:a16="http://schemas.microsoft.com/office/drawing/2014/main" id="{76A13A57-6C15-4CAE-8E87-06BF20C27743}"/>
-              </a:ext>
-            </a:extLst>
-          </p:cNvPr>
-          <p:cNvSpPr/>
-          <p:nvPr/>
-        </p:nvSpPr>
-        <p:spPr>
-          <a:xfrm>
-            <a:off x="6026424" y="5092148"/>
-            <a:ext cx="675861" cy="288235"/>
-          </a:xfrm>
-          <a:prstGeom prst="trapezoid">
-            <a:avLst/>
-          </a:prstGeom>
-          <a:solidFill>
-            <a:schemeClr val="accent2">
-              <a:lumMod val="40000"/>
-              <a:lumOff val="60000"/>
-            </a:schemeClr>
-          </a:solidFill>
-        </p:spPr>
-        <p:style>
-          <a:lnRef idx="2">
-            <a:schemeClr val="accent1">
-              <a:shade val="50000"/>
-            </a:schemeClr>
-          </a:lnRef>
-          <a:fillRef idx="1">
-            <a:schemeClr val="accent1"/>
-          </a:fillRef>
-          <a:effectRef idx="0">
-            <a:schemeClr val="accent1"/>
-          </a:effectRef>
-          <a:fontRef idx="minor">
-            <a:schemeClr val="lt1"/>
-          </a:fontRef>
-        </p:style>
-        <p:txBody>
-          <a:bodyPr rtlCol="0" anchor="ctr"/>
-          <a:lstStyle/>
-          <a:p>
-            <a:pPr algn="ctr"/>
-            <a:endParaRPr lang="de-AT"/>
-          </a:p>
-        </p:txBody>
-      </p:sp>
-      <p:cxnSp>
-        <p:nvCxnSpPr>
-          <p:cNvPr id="16" name="Gerader Verbinder 15">
-            <a:extLst>
-              <a:ext uri="{FF2B5EF4-FFF2-40B4-BE49-F238E27FC236}">
-                <a16:creationId xmlns:a16="http://schemas.microsoft.com/office/drawing/2014/main" id="{3472D7A0-3A31-47F2-8CC9-79C0CC5353D5}"/>
-              </a:ext>
-            </a:extLst>
-          </p:cNvPr>
-          <p:cNvCxnSpPr>
-            <a:cxnSpLocks/>
-          </p:cNvCxnSpPr>
-          <p:nvPr/>
-        </p:nvCxnSpPr>
-        <p:spPr>
-          <a:xfrm>
-            <a:off x="5015944" y="1384852"/>
-            <a:ext cx="0" cy="715617"/>
-          </a:xfrm>
-          <a:prstGeom prst="line">
-            <a:avLst/>
-          </a:prstGeom>
-          <a:ln w="9525" cap="flat" cmpd="sng" algn="ctr">
-            <a:solidFill>
-              <a:schemeClr val="dk1"/>
-            </a:solidFill>
-            <a:prstDash val="dash"/>
-            <a:round/>
-            <a:headEnd type="none" w="med" len="med"/>
-            <a:tailEnd type="none" w="med" len="med"/>
-          </a:ln>
-        </p:spPr>
-        <p:style>
-          <a:lnRef idx="0">
-            <a:scrgbClr r="0" g="0" b="0"/>
-          </a:lnRef>
-          <a:fillRef idx="0">
-            <a:scrgbClr r="0" g="0" b="0"/>
-          </a:fillRef>
-          <a:effectRef idx="0">
-            <a:scrgbClr r="0" g="0" b="0"/>
-          </a:effectRef>
-          <a:fontRef idx="minor">
-            <a:schemeClr val="tx1"/>
-          </a:fontRef>
-        </p:style>
-      </p:cxnSp>
-      <p:cxnSp>
-        <p:nvCxnSpPr>
-          <p:cNvPr id="18" name="Gerader Verbinder 17">
-            <a:extLst>
-              <a:ext uri="{FF2B5EF4-FFF2-40B4-BE49-F238E27FC236}">
-                <a16:creationId xmlns:a16="http://schemas.microsoft.com/office/drawing/2014/main" id="{DC559534-292D-493C-AE52-C86BD9FDAB9B}"/>
-              </a:ext>
-            </a:extLst>
-          </p:cNvPr>
-          <p:cNvCxnSpPr>
-            <a:cxnSpLocks/>
-          </p:cNvCxnSpPr>
-          <p:nvPr/>
-        </p:nvCxnSpPr>
-        <p:spPr>
-          <a:xfrm>
-            <a:off x="4899989" y="4964596"/>
-            <a:ext cx="0" cy="707334"/>
-          </a:xfrm>
-          <a:prstGeom prst="line">
-            <a:avLst/>
-          </a:prstGeom>
-          <a:ln w="9525" cap="flat" cmpd="sng" algn="ctr">
-            <a:solidFill>
-              <a:schemeClr val="dk1"/>
-            </a:solidFill>
-            <a:prstDash val="dash"/>
-            <a:round/>
-            <a:headEnd type="none" w="med" len="med"/>
-            <a:tailEnd type="none" w="med" len="med"/>
-          </a:ln>
-        </p:spPr>
-        <p:style>
-          <a:lnRef idx="0">
-            <a:scrgbClr r="0" g="0" b="0"/>
-          </a:lnRef>
-          <a:fillRef idx="0">
-            <a:scrgbClr r="0" g="0" b="0"/>
-          </a:fillRef>
-          <a:effectRef idx="0">
-            <a:scrgbClr r="0" g="0" b="0"/>
-          </a:effectRef>
-          <a:fontRef idx="minor">
-            <a:schemeClr val="tx1"/>
-          </a:fontRef>
-        </p:style>
-      </p:cxnSp>
-      <p:cxnSp>
-        <p:nvCxnSpPr>
-          <p:cNvPr id="21" name="Gerader Verbinder 20">
-            <a:extLst>
-              <a:ext uri="{FF2B5EF4-FFF2-40B4-BE49-F238E27FC236}">
-                <a16:creationId xmlns:a16="http://schemas.microsoft.com/office/drawing/2014/main" id="{BB28C8FC-C1E4-4315-95BD-70E6EE1D0639}"/>
-              </a:ext>
-            </a:extLst>
-          </p:cNvPr>
-          <p:cNvCxnSpPr>
-            <a:cxnSpLocks/>
-          </p:cNvCxnSpPr>
-          <p:nvPr/>
-        </p:nvCxnSpPr>
-        <p:spPr>
-          <a:xfrm>
-            <a:off x="6255026" y="1345096"/>
-            <a:ext cx="0" cy="715617"/>
-          </a:xfrm>
-          <a:prstGeom prst="line">
-            <a:avLst/>
-          </a:prstGeom>
-          <a:ln w="9525" cap="flat" cmpd="sng" algn="ctr">
-            <a:solidFill>
-              <a:schemeClr val="dk1"/>
-            </a:solidFill>
-            <a:prstDash val="dash"/>
-            <a:round/>
-            <a:headEnd type="none" w="med" len="med"/>
-            <a:tailEnd type="none" w="med" len="med"/>
-          </a:ln>
-        </p:spPr>
-        <p:style>
-          <a:lnRef idx="0">
-            <a:scrgbClr r="0" g="0" b="0"/>
-          </a:lnRef>
-          <a:fillRef idx="0">
-            <a:scrgbClr r="0" g="0" b="0"/>
-          </a:fillRef>
-          <a:effectRef idx="0">
-            <a:scrgbClr r="0" g="0" b="0"/>
-          </a:effectRef>
-          <a:fontRef idx="minor">
-            <a:schemeClr val="tx1"/>
-          </a:fontRef>
-        </p:style>
-      </p:cxnSp>
-      <p:cxnSp>
-        <p:nvCxnSpPr>
-          <p:cNvPr id="22" name="Gerader Verbinder 21">
-            <a:extLst>
-              <a:ext uri="{FF2B5EF4-FFF2-40B4-BE49-F238E27FC236}">
-                <a16:creationId xmlns:a16="http://schemas.microsoft.com/office/drawing/2014/main" id="{A70CC309-B7BD-4608-A997-ED744923B305}"/>
-              </a:ext>
-            </a:extLst>
-          </p:cNvPr>
-          <p:cNvCxnSpPr>
-            <a:cxnSpLocks/>
-          </p:cNvCxnSpPr>
-          <p:nvPr/>
-        </p:nvCxnSpPr>
-        <p:spPr>
-          <a:xfrm>
-            <a:off x="6364354" y="4964596"/>
-            <a:ext cx="0" cy="715617"/>
-          </a:xfrm>
-          <a:prstGeom prst="line">
-            <a:avLst/>
-          </a:prstGeom>
-          <a:ln w="9525" cap="flat" cmpd="sng" algn="ctr">
-            <a:solidFill>
-              <a:schemeClr val="dk1"/>
-            </a:solidFill>
-            <a:prstDash val="dash"/>
-            <a:round/>
-            <a:headEnd type="none" w="med" len="med"/>
-            <a:tailEnd type="none" w="med" len="med"/>
-          </a:ln>
-        </p:spPr>
-        <p:style>
-          <a:lnRef idx="0">
-            <a:scrgbClr r="0" g="0" b="0"/>
-          </a:lnRef>
-          <a:fillRef idx="0">
-            <a:scrgbClr r="0" g="0" b="0"/>
-          </a:fillRef>
-          <a:effectRef idx="0">
-            <a:scrgbClr r="0" g="0" b="0"/>
-          </a:effectRef>
-          <a:fontRef idx="minor">
-            <a:schemeClr val="tx1"/>
-          </a:fontRef>
-        </p:style>
-      </p:cxnSp>
-      <p:cxnSp>
-        <p:nvCxnSpPr>
-          <p:cNvPr id="23" name="Gerader Verbinder 22">
-            <a:extLst>
-              <a:ext uri="{FF2B5EF4-FFF2-40B4-BE49-F238E27FC236}">
-                <a16:creationId xmlns:a16="http://schemas.microsoft.com/office/drawing/2014/main" id="{97FE3C5A-CF6A-48D0-814D-3B7D365F889D}"/>
-              </a:ext>
-            </a:extLst>
-          </p:cNvPr>
-          <p:cNvCxnSpPr>
-            <a:cxnSpLocks/>
-          </p:cNvCxnSpPr>
-          <p:nvPr/>
-        </p:nvCxnSpPr>
-        <p:spPr>
-          <a:xfrm>
-            <a:off x="6255026" y="2415208"/>
-            <a:ext cx="0" cy="715617"/>
-          </a:xfrm>
-          <a:prstGeom prst="line">
-            <a:avLst/>
-          </a:prstGeom>
-          <a:ln w="9525" cap="flat" cmpd="sng" algn="ctr">
-            <a:solidFill>
-              <a:schemeClr val="dk1"/>
-            </a:solidFill>
-            <a:prstDash val="dash"/>
-            <a:round/>
-            <a:headEnd type="none" w="med" len="med"/>
-            <a:tailEnd type="none" w="med" len="med"/>
-          </a:ln>
-        </p:spPr>
-        <p:style>
-          <a:lnRef idx="0">
-            <a:scrgbClr r="0" g="0" b="0"/>
-          </a:lnRef>
-          <a:fillRef idx="0">
-            <a:scrgbClr r="0" g="0" b="0"/>
-          </a:fillRef>
-          <a:effectRef idx="0">
-            <a:scrgbClr r="0" g="0" b="0"/>
-          </a:effectRef>
-          <a:fontRef idx="minor">
-            <a:schemeClr val="tx1"/>
-          </a:fontRef>
-        </p:style>
-      </p:cxnSp>
-      <p:cxnSp>
-        <p:nvCxnSpPr>
-          <p:cNvPr id="24" name="Gerader Verbinder 23">
-            <a:extLst>
-              <a:ext uri="{FF2B5EF4-FFF2-40B4-BE49-F238E27FC236}">
-                <a16:creationId xmlns:a16="http://schemas.microsoft.com/office/drawing/2014/main" id="{15B3A416-271B-49E4-B9B7-A78DEE2D64B6}"/>
-              </a:ext>
-            </a:extLst>
-          </p:cNvPr>
-          <p:cNvCxnSpPr>
-            <a:cxnSpLocks/>
-          </p:cNvCxnSpPr>
-          <p:nvPr/>
-        </p:nvCxnSpPr>
-        <p:spPr>
-          <a:xfrm>
-            <a:off x="5015944" y="2415208"/>
-            <a:ext cx="0" cy="715617"/>
-          </a:xfrm>
-          <a:prstGeom prst="line">
-            <a:avLst/>
-          </a:prstGeom>
-          <a:ln w="9525" cap="flat" cmpd="sng" algn="ctr">
-            <a:solidFill>
-              <a:schemeClr val="dk1"/>
-            </a:solidFill>
-            <a:prstDash val="dash"/>
-            <a:round/>
-            <a:headEnd type="none" w="med" len="med"/>
-            <a:tailEnd type="none" w="med" len="med"/>
-          </a:ln>
-        </p:spPr>
-        <p:style>
-          <a:lnRef idx="0">
-            <a:scrgbClr r="0" g="0" b="0"/>
-          </a:lnRef>
-          <a:fillRef idx="0">
-            <a:scrgbClr r="0" g="0" b="0"/>
-          </a:fillRef>
-          <a:effectRef idx="0">
-            <a:scrgbClr r="0" g="0" b="0"/>
-          </a:effectRef>
-          <a:fontRef idx="minor">
-            <a:schemeClr val="tx1"/>
-          </a:fontRef>
-        </p:style>
-      </p:cxnSp>
-      <p:cxnSp>
-        <p:nvCxnSpPr>
-          <p:cNvPr id="27" name="Gerader Verbinder 26">
-            <a:extLst>
-              <a:ext uri="{FF2B5EF4-FFF2-40B4-BE49-F238E27FC236}">
-                <a16:creationId xmlns:a16="http://schemas.microsoft.com/office/drawing/2014/main" id="{2BE6F037-4AE4-41DF-B722-ABFB630A6059}"/>
-              </a:ext>
-            </a:extLst>
-          </p:cNvPr>
-          <p:cNvCxnSpPr>
-            <a:cxnSpLocks/>
-          </p:cNvCxnSpPr>
-          <p:nvPr/>
-        </p:nvCxnSpPr>
-        <p:spPr>
-          <a:xfrm>
-            <a:off x="4714457" y="1702904"/>
-            <a:ext cx="602974" cy="0"/>
-          </a:xfrm>
-          <a:prstGeom prst="line">
-            <a:avLst/>
-          </a:prstGeom>
-          <a:ln w="9525" cap="flat" cmpd="sng" algn="ctr">
-            <a:solidFill>
-              <a:schemeClr val="dk1"/>
-            </a:solidFill>
-            <a:prstDash val="dash"/>
-            <a:round/>
-            <a:headEnd type="none" w="med" len="med"/>
-            <a:tailEnd type="none" w="med" len="med"/>
-          </a:ln>
-        </p:spPr>
-        <p:style>
-          <a:lnRef idx="0">
-            <a:scrgbClr r="0" g="0" b="0"/>
-          </a:lnRef>
-          <a:fillRef idx="0">
-            <a:scrgbClr r="0" g="0" b="0"/>
-          </a:fillRef>
-          <a:effectRef idx="0">
-            <a:scrgbClr r="0" g="0" b="0"/>
-          </a:effectRef>
-          <a:fontRef idx="minor">
-            <a:schemeClr val="tx1"/>
-          </a:fontRef>
-        </p:style>
-      </p:cxnSp>
-      <p:cxnSp>
-        <p:nvCxnSpPr>
-          <p:cNvPr id="31" name="Gerader Verbinder 30">
-            <a:extLst>
-              <a:ext uri="{FF2B5EF4-FFF2-40B4-BE49-F238E27FC236}">
-                <a16:creationId xmlns:a16="http://schemas.microsoft.com/office/drawing/2014/main" id="{13D21747-B4B0-472D-90DD-B974BA306EA4}"/>
-              </a:ext>
-            </a:extLst>
-          </p:cNvPr>
-          <p:cNvCxnSpPr>
-            <a:cxnSpLocks/>
-          </p:cNvCxnSpPr>
-          <p:nvPr/>
-        </p:nvCxnSpPr>
-        <p:spPr>
-          <a:xfrm>
-            <a:off x="5872370" y="1702904"/>
-            <a:ext cx="765311" cy="0"/>
-          </a:xfrm>
-          <a:prstGeom prst="line">
-            <a:avLst/>
-          </a:prstGeom>
-          <a:ln w="9525" cap="flat" cmpd="sng" algn="ctr">
-            <a:solidFill>
-              <a:schemeClr val="dk1"/>
-            </a:solidFill>
-            <a:prstDash val="dash"/>
-            <a:round/>
-            <a:headEnd type="none" w="med" len="med"/>
-            <a:tailEnd type="none" w="med" len="med"/>
-          </a:ln>
-        </p:spPr>
-        <p:style>
-          <a:lnRef idx="0">
-            <a:scrgbClr r="0" g="0" b="0"/>
-          </a:lnRef>
-          <a:fillRef idx="0">
-            <a:scrgbClr r="0" g="0" b="0"/>
-          </a:fillRef>
-          <a:effectRef idx="0">
-            <a:scrgbClr r="0" g="0" b="0"/>
-          </a:effectRef>
-          <a:fontRef idx="minor">
-            <a:schemeClr val="tx1"/>
-          </a:fontRef>
-        </p:style>
-      </p:cxnSp>
-      <p:cxnSp>
-        <p:nvCxnSpPr>
-          <p:cNvPr id="32" name="Gerader Verbinder 31">
-            <a:extLst>
-              <a:ext uri="{FF2B5EF4-FFF2-40B4-BE49-F238E27FC236}">
-                <a16:creationId xmlns:a16="http://schemas.microsoft.com/office/drawing/2014/main" id="{8C565E9C-B1BC-4679-9578-F1513EE88A70}"/>
-              </a:ext>
-            </a:extLst>
-          </p:cNvPr>
-          <p:cNvCxnSpPr>
-            <a:cxnSpLocks/>
-          </p:cNvCxnSpPr>
-          <p:nvPr/>
-        </p:nvCxnSpPr>
-        <p:spPr>
-          <a:xfrm>
-            <a:off x="5872370" y="2789581"/>
-            <a:ext cx="755374" cy="0"/>
-          </a:xfrm>
-          <a:prstGeom prst="line">
-            <a:avLst/>
-          </a:prstGeom>
-          <a:ln w="9525" cap="flat" cmpd="sng" algn="ctr">
-            <a:solidFill>
-              <a:schemeClr val="dk1"/>
-            </a:solidFill>
-            <a:prstDash val="dash"/>
-            <a:round/>
-            <a:headEnd type="none" w="med" len="med"/>
-            <a:tailEnd type="none" w="med" len="med"/>
-          </a:ln>
-        </p:spPr>
-        <p:style>
-          <a:lnRef idx="0">
-            <a:scrgbClr r="0" g="0" b="0"/>
-          </a:lnRef>
-          <a:fillRef idx="0">
-            <a:scrgbClr r="0" g="0" b="0"/>
-          </a:fillRef>
-          <a:effectRef idx="0">
-            <a:scrgbClr r="0" g="0" b="0"/>
-          </a:effectRef>
-          <a:fontRef idx="minor">
-            <a:schemeClr val="tx1"/>
-          </a:fontRef>
-        </p:style>
-      </p:cxnSp>
-      <p:cxnSp>
-        <p:nvCxnSpPr>
-          <p:cNvPr id="33" name="Gerader Verbinder 32">
-            <a:extLst>
-              <a:ext uri="{FF2B5EF4-FFF2-40B4-BE49-F238E27FC236}">
-                <a16:creationId xmlns:a16="http://schemas.microsoft.com/office/drawing/2014/main" id="{07025CF5-B272-4032-8F1B-CFBC22278D3E}"/>
-              </a:ext>
-            </a:extLst>
-          </p:cNvPr>
-          <p:cNvCxnSpPr>
-            <a:cxnSpLocks/>
-          </p:cNvCxnSpPr>
-          <p:nvPr/>
-        </p:nvCxnSpPr>
-        <p:spPr>
-          <a:xfrm>
-            <a:off x="4714457" y="2789581"/>
-            <a:ext cx="755374" cy="0"/>
-          </a:xfrm>
-          <a:prstGeom prst="line">
-            <a:avLst/>
-          </a:prstGeom>
-          <a:ln w="9525" cap="flat" cmpd="sng" algn="ctr">
-            <a:solidFill>
-              <a:schemeClr val="dk1"/>
-            </a:solidFill>
-            <a:prstDash val="dash"/>
-            <a:round/>
-            <a:headEnd type="none" w="med" len="med"/>
-            <a:tailEnd type="none" w="med" len="med"/>
-          </a:ln>
-        </p:spPr>
-        <p:style>
-          <a:lnRef idx="0">
-            <a:scrgbClr r="0" g="0" b="0"/>
-          </a:lnRef>
-          <a:fillRef idx="0">
-            <a:scrgbClr r="0" g="0" b="0"/>
-          </a:fillRef>
-          <a:effectRef idx="0">
-            <a:scrgbClr r="0" g="0" b="0"/>
-          </a:effectRef>
-          <a:fontRef idx="minor">
-            <a:schemeClr val="tx1"/>
-          </a:fontRef>
-        </p:style>
-      </p:cxnSp>
-      <p:cxnSp>
-        <p:nvCxnSpPr>
-          <p:cNvPr id="38" name="Gerader Verbinder 37">
-            <a:extLst>
-              <a:ext uri="{FF2B5EF4-FFF2-40B4-BE49-F238E27FC236}">
-                <a16:creationId xmlns:a16="http://schemas.microsoft.com/office/drawing/2014/main" id="{7572668D-BF07-40A3-B80E-3B059470F6CB}"/>
-              </a:ext>
-            </a:extLst>
-          </p:cNvPr>
-          <p:cNvCxnSpPr>
-            <a:cxnSpLocks/>
-          </p:cNvCxnSpPr>
-          <p:nvPr/>
-        </p:nvCxnSpPr>
-        <p:spPr>
-          <a:xfrm>
-            <a:off x="5632172" y="609600"/>
-            <a:ext cx="0" cy="5844209"/>
-          </a:xfrm>
-          <a:prstGeom prst="line">
-            <a:avLst/>
-          </a:prstGeom>
-          <a:ln w="9525" cap="flat" cmpd="sng" algn="ctr">
-            <a:solidFill>
-              <a:schemeClr val="dk1"/>
-            </a:solidFill>
-            <a:prstDash val="dash"/>
-            <a:round/>
-            <a:headEnd type="none" w="med" len="med"/>
-            <a:tailEnd type="none" w="med" len="med"/>
-          </a:ln>
-        </p:spPr>
-        <p:style>
-          <a:lnRef idx="0">
-            <a:scrgbClr r="0" g="0" b="0"/>
-          </a:lnRef>
-          <a:fillRef idx="0">
-            <a:scrgbClr r="0" g="0" b="0"/>
-          </a:fillRef>
-          <a:effectRef idx="0">
-            <a:scrgbClr r="0" g="0" b="0"/>
-          </a:effectRef>
-          <a:fontRef idx="minor">
-            <a:schemeClr val="tx1"/>
-          </a:fontRef>
-        </p:style>
-      </p:cxnSp>
-      <p:cxnSp>
-        <p:nvCxnSpPr>
-          <p:cNvPr id="40" name="Gerader Verbinder 39">
-            <a:extLst>
-              <a:ext uri="{FF2B5EF4-FFF2-40B4-BE49-F238E27FC236}">
-                <a16:creationId xmlns:a16="http://schemas.microsoft.com/office/drawing/2014/main" id="{5CEEC794-6E1F-4530-B8DD-2E5542B853C6}"/>
-              </a:ext>
-            </a:extLst>
-          </p:cNvPr>
-          <p:cNvCxnSpPr>
-            <a:cxnSpLocks/>
-          </p:cNvCxnSpPr>
-          <p:nvPr/>
-        </p:nvCxnSpPr>
-        <p:spPr>
-          <a:xfrm>
-            <a:off x="3912703" y="2199861"/>
-            <a:ext cx="3415749" cy="0"/>
-          </a:xfrm>
-          <a:prstGeom prst="line">
-            <a:avLst/>
-          </a:prstGeom>
-          <a:ln w="9525" cap="flat" cmpd="sng" algn="ctr">
-            <a:solidFill>
-              <a:schemeClr val="dk1"/>
-            </a:solidFill>
-            <a:prstDash val="dash"/>
-            <a:round/>
-            <a:headEnd type="none" w="med" len="med"/>
-            <a:tailEnd type="none" w="med" len="med"/>
-          </a:ln>
-        </p:spPr>
-        <p:style>
-          <a:lnRef idx="0">
-            <a:scrgbClr r="0" g="0" b="0"/>
-          </a:lnRef>
-          <a:fillRef idx="0">
-            <a:scrgbClr r="0" g="0" b="0"/>
-          </a:fillRef>
-          <a:effectRef idx="0">
-            <a:scrgbClr r="0" g="0" b="0"/>
-          </a:effectRef>
-          <a:fontRef idx="minor">
-            <a:schemeClr val="tx1"/>
-          </a:fontRef>
-        </p:style>
-      </p:cxnSp>
+        </p:grpSpPr>
+        <p:grpSp>
+          <p:nvGrpSpPr>
+            <p:cNvPr id="2" name="Gruppieren 1">
+              <a:extLst>
+                <a:ext uri="{FF2B5EF4-FFF2-40B4-BE49-F238E27FC236}">
+                  <a16:creationId xmlns:a16="http://schemas.microsoft.com/office/drawing/2014/main" id="{78AC3BB8-3326-483F-9B79-342859A666A7}"/>
+                </a:ext>
+              </a:extLst>
+            </p:cNvPr>
+            <p:cNvGrpSpPr/>
+            <p:nvPr/>
+          </p:nvGrpSpPr>
+          <p:grpSpPr>
+            <a:xfrm>
+              <a:off x="4381761" y="470451"/>
+              <a:ext cx="2650434" cy="2266122"/>
+              <a:chOff x="4306955" y="3823250"/>
+              <a:chExt cx="2650434" cy="2266122"/>
+            </a:xfrm>
+          </p:grpSpPr>
+          <p:sp>
+            <p:nvSpPr>
+              <p:cNvPr id="11" name="Rechteck 10">
+                <a:extLst>
+                  <a:ext uri="{FF2B5EF4-FFF2-40B4-BE49-F238E27FC236}">
+                    <a16:creationId xmlns:a16="http://schemas.microsoft.com/office/drawing/2014/main" id="{EBC43241-0F08-4CA6-9C61-44E1715EFE0F}"/>
+                  </a:ext>
+                </a:extLst>
+              </p:cNvPr>
+              <p:cNvSpPr/>
+              <p:nvPr/>
+            </p:nvSpPr>
+            <p:spPr>
+              <a:xfrm>
+                <a:off x="5493024" y="3823250"/>
+                <a:ext cx="278297" cy="2266122"/>
+              </a:xfrm>
+              <a:prstGeom prst="rect">
+                <a:avLst/>
+              </a:prstGeom>
+            </p:spPr>
+            <p:style>
+              <a:lnRef idx="2">
+                <a:schemeClr val="accent1">
+                  <a:shade val="50000"/>
+                </a:schemeClr>
+              </a:lnRef>
+              <a:fillRef idx="1">
+                <a:schemeClr val="accent1"/>
+              </a:fillRef>
+              <a:effectRef idx="0">
+                <a:schemeClr val="accent1"/>
+              </a:effectRef>
+              <a:fontRef idx="minor">
+                <a:schemeClr val="lt1"/>
+              </a:fontRef>
+            </p:style>
+            <p:txBody>
+              <a:bodyPr rtlCol="0" anchor="ctr"/>
+              <a:lstStyle/>
+              <a:p>
+                <a:pPr algn="ctr"/>
+                <a:endParaRPr lang="de-AT"/>
+              </a:p>
+            </p:txBody>
+          </p:sp>
+          <p:sp>
+            <p:nvSpPr>
+              <p:cNvPr id="12" name="Rechteck 11">
+                <a:extLst>
+                  <a:ext uri="{FF2B5EF4-FFF2-40B4-BE49-F238E27FC236}">
+                    <a16:creationId xmlns:a16="http://schemas.microsoft.com/office/drawing/2014/main" id="{40E12B9A-80FF-490C-A263-40B079DE2738}"/>
+                  </a:ext>
+                </a:extLst>
+              </p:cNvPr>
+              <p:cNvSpPr/>
+              <p:nvPr/>
+            </p:nvSpPr>
+            <p:spPr>
+              <a:xfrm>
+                <a:off x="4306955" y="5380383"/>
+                <a:ext cx="2650434" cy="119270"/>
+              </a:xfrm>
+              <a:prstGeom prst="rect">
+                <a:avLst/>
+              </a:prstGeom>
+              <a:solidFill>
+                <a:schemeClr val="accent1">
+                  <a:lumMod val="60000"/>
+                  <a:lumOff val="40000"/>
+                </a:schemeClr>
+              </a:solidFill>
+            </p:spPr>
+            <p:style>
+              <a:lnRef idx="2">
+                <a:schemeClr val="accent1">
+                  <a:shade val="50000"/>
+                </a:schemeClr>
+              </a:lnRef>
+              <a:fillRef idx="1">
+                <a:schemeClr val="accent1"/>
+              </a:fillRef>
+              <a:effectRef idx="0">
+                <a:schemeClr val="accent1"/>
+              </a:effectRef>
+              <a:fontRef idx="minor">
+                <a:schemeClr val="lt1"/>
+              </a:fontRef>
+            </p:style>
+            <p:txBody>
+              <a:bodyPr rtlCol="0" anchor="ctr"/>
+              <a:lstStyle/>
+              <a:p>
+                <a:pPr algn="ctr"/>
+                <a:endParaRPr lang="de-AT"/>
+              </a:p>
+            </p:txBody>
+          </p:sp>
+          <p:sp>
+            <p:nvSpPr>
+              <p:cNvPr id="13" name="Trapezoid 12">
+                <a:extLst>
+                  <a:ext uri="{FF2B5EF4-FFF2-40B4-BE49-F238E27FC236}">
+                    <a16:creationId xmlns:a16="http://schemas.microsoft.com/office/drawing/2014/main" id="{DAEA87E5-E2DC-4414-823C-3608122FD8EF}"/>
+                  </a:ext>
+                </a:extLst>
+              </p:cNvPr>
+              <p:cNvSpPr/>
+              <p:nvPr/>
+            </p:nvSpPr>
+            <p:spPr>
+              <a:xfrm>
+                <a:off x="4562059" y="5092148"/>
+                <a:ext cx="675861" cy="288235"/>
+              </a:xfrm>
+              <a:prstGeom prst="trapezoid">
+                <a:avLst/>
+              </a:prstGeom>
+              <a:solidFill>
+                <a:schemeClr val="accent2">
+                  <a:lumMod val="40000"/>
+                  <a:lumOff val="60000"/>
+                </a:schemeClr>
+              </a:solidFill>
+            </p:spPr>
+            <p:style>
+              <a:lnRef idx="2">
+                <a:schemeClr val="accent1">
+                  <a:shade val="50000"/>
+                </a:schemeClr>
+              </a:lnRef>
+              <a:fillRef idx="1">
+                <a:schemeClr val="accent1"/>
+              </a:fillRef>
+              <a:effectRef idx="0">
+                <a:schemeClr val="accent1"/>
+              </a:effectRef>
+              <a:fontRef idx="minor">
+                <a:schemeClr val="lt1"/>
+              </a:fontRef>
+            </p:style>
+            <p:txBody>
+              <a:bodyPr rtlCol="0" anchor="ctr"/>
+              <a:lstStyle/>
+              <a:p>
+                <a:pPr algn="ctr"/>
+                <a:endParaRPr lang="de-AT"/>
+              </a:p>
+            </p:txBody>
+          </p:sp>
+          <p:sp>
+            <p:nvSpPr>
+              <p:cNvPr id="14" name="Trapezoid 13">
+                <a:extLst>
+                  <a:ext uri="{FF2B5EF4-FFF2-40B4-BE49-F238E27FC236}">
+                    <a16:creationId xmlns:a16="http://schemas.microsoft.com/office/drawing/2014/main" id="{76A13A57-6C15-4CAE-8E87-06BF20C27743}"/>
+                  </a:ext>
+                </a:extLst>
+              </p:cNvPr>
+              <p:cNvSpPr/>
+              <p:nvPr/>
+            </p:nvSpPr>
+            <p:spPr>
+              <a:xfrm>
+                <a:off x="6026424" y="5092148"/>
+                <a:ext cx="675861" cy="288235"/>
+              </a:xfrm>
+              <a:prstGeom prst="trapezoid">
+                <a:avLst/>
+              </a:prstGeom>
+              <a:solidFill>
+                <a:schemeClr val="accent2">
+                  <a:lumMod val="40000"/>
+                  <a:lumOff val="60000"/>
+                </a:schemeClr>
+              </a:solidFill>
+            </p:spPr>
+            <p:style>
+              <a:lnRef idx="2">
+                <a:schemeClr val="accent1">
+                  <a:shade val="50000"/>
+                </a:schemeClr>
+              </a:lnRef>
+              <a:fillRef idx="1">
+                <a:schemeClr val="accent1"/>
+              </a:fillRef>
+              <a:effectRef idx="0">
+                <a:schemeClr val="accent1"/>
+              </a:effectRef>
+              <a:fontRef idx="minor">
+                <a:schemeClr val="lt1"/>
+              </a:fontRef>
+            </p:style>
+            <p:txBody>
+              <a:bodyPr rtlCol="0" anchor="ctr"/>
+              <a:lstStyle/>
+              <a:p>
+                <a:pPr algn="ctr"/>
+                <a:endParaRPr lang="de-AT"/>
+              </a:p>
+            </p:txBody>
+          </p:sp>
+          <p:cxnSp>
+            <p:nvCxnSpPr>
+              <p:cNvPr id="18" name="Gerader Verbinder 17">
+                <a:extLst>
+                  <a:ext uri="{FF2B5EF4-FFF2-40B4-BE49-F238E27FC236}">
+                    <a16:creationId xmlns:a16="http://schemas.microsoft.com/office/drawing/2014/main" id="{DC559534-292D-493C-AE52-C86BD9FDAB9B}"/>
+                  </a:ext>
+                </a:extLst>
+              </p:cNvPr>
+              <p:cNvCxnSpPr>
+                <a:cxnSpLocks/>
+              </p:cNvCxnSpPr>
+              <p:nvPr/>
+            </p:nvCxnSpPr>
+            <p:spPr>
+              <a:xfrm>
+                <a:off x="4899989" y="4964596"/>
+                <a:ext cx="0" cy="707334"/>
+              </a:xfrm>
+              <a:prstGeom prst="line">
+                <a:avLst/>
+              </a:prstGeom>
+              <a:ln w="9525" cap="flat" cmpd="sng" algn="ctr">
+                <a:solidFill>
+                  <a:schemeClr val="dk1"/>
+                </a:solidFill>
+                <a:prstDash val="dash"/>
+                <a:round/>
+                <a:headEnd type="none" w="med" len="med"/>
+                <a:tailEnd type="none" w="med" len="med"/>
+              </a:ln>
+            </p:spPr>
+            <p:style>
+              <a:lnRef idx="0">
+                <a:scrgbClr r="0" g="0" b="0"/>
+              </a:lnRef>
+              <a:fillRef idx="0">
+                <a:scrgbClr r="0" g="0" b="0"/>
+              </a:fillRef>
+              <a:effectRef idx="0">
+                <a:scrgbClr r="0" g="0" b="0"/>
+              </a:effectRef>
+              <a:fontRef idx="minor">
+                <a:schemeClr val="tx1"/>
+              </a:fontRef>
+            </p:style>
+          </p:cxnSp>
+          <p:cxnSp>
+            <p:nvCxnSpPr>
+              <p:cNvPr id="22" name="Gerader Verbinder 21">
+                <a:extLst>
+                  <a:ext uri="{FF2B5EF4-FFF2-40B4-BE49-F238E27FC236}">
+                    <a16:creationId xmlns:a16="http://schemas.microsoft.com/office/drawing/2014/main" id="{A70CC309-B7BD-4608-A997-ED744923B305}"/>
+                  </a:ext>
+                </a:extLst>
+              </p:cNvPr>
+              <p:cNvCxnSpPr>
+                <a:cxnSpLocks/>
+              </p:cNvCxnSpPr>
+              <p:nvPr/>
+            </p:nvCxnSpPr>
+            <p:spPr>
+              <a:xfrm>
+                <a:off x="6364354" y="4964596"/>
+                <a:ext cx="0" cy="715617"/>
+              </a:xfrm>
+              <a:prstGeom prst="line">
+                <a:avLst/>
+              </a:prstGeom>
+              <a:ln w="9525" cap="flat" cmpd="sng" algn="ctr">
+                <a:solidFill>
+                  <a:schemeClr val="dk1"/>
+                </a:solidFill>
+                <a:prstDash val="dash"/>
+                <a:round/>
+                <a:headEnd type="none" w="med" len="med"/>
+                <a:tailEnd type="none" w="med" len="med"/>
+              </a:ln>
+            </p:spPr>
+            <p:style>
+              <a:lnRef idx="0">
+                <a:scrgbClr r="0" g="0" b="0"/>
+              </a:lnRef>
+              <a:fillRef idx="0">
+                <a:scrgbClr r="0" g="0" b="0"/>
+              </a:fillRef>
+              <a:effectRef idx="0">
+                <a:scrgbClr r="0" g="0" b="0"/>
+              </a:effectRef>
+              <a:fontRef idx="minor">
+                <a:schemeClr val="tx1"/>
+              </a:fontRef>
+            </p:style>
+          </p:cxnSp>
+        </p:grpSp>
+        <p:grpSp>
+          <p:nvGrpSpPr>
+            <p:cNvPr id="3" name="Gruppieren 2">
+              <a:extLst>
+                <a:ext uri="{FF2B5EF4-FFF2-40B4-BE49-F238E27FC236}">
+                  <a16:creationId xmlns:a16="http://schemas.microsoft.com/office/drawing/2014/main" id="{A2163CA3-D978-48CE-89A7-8B6C3F1BA621}"/>
+                </a:ext>
+              </a:extLst>
+            </p:cNvPr>
+            <p:cNvGrpSpPr/>
+            <p:nvPr/>
+          </p:nvGrpSpPr>
+          <p:grpSpPr>
+            <a:xfrm>
+              <a:off x="3999103" y="3029579"/>
+              <a:ext cx="3415749" cy="2650434"/>
+              <a:chOff x="3912703" y="874644"/>
+              <a:chExt cx="3415749" cy="2650434"/>
+            </a:xfrm>
+          </p:grpSpPr>
+          <p:sp>
+            <p:nvSpPr>
+              <p:cNvPr id="5" name="Ellipse 4">
+                <a:extLst>
+                  <a:ext uri="{FF2B5EF4-FFF2-40B4-BE49-F238E27FC236}">
+                    <a16:creationId xmlns:a16="http://schemas.microsoft.com/office/drawing/2014/main" id="{D7B2A69F-73C0-4163-AD02-4CFDF261E8D3}"/>
+                  </a:ext>
+                </a:extLst>
+              </p:cNvPr>
+              <p:cNvSpPr/>
+              <p:nvPr/>
+            </p:nvSpPr>
+            <p:spPr>
+              <a:xfrm>
+                <a:off x="4306956" y="874644"/>
+                <a:ext cx="2650434" cy="2650434"/>
+              </a:xfrm>
+              <a:prstGeom prst="ellipse">
+                <a:avLst/>
+              </a:prstGeom>
+              <a:solidFill>
+                <a:schemeClr val="accent1">
+                  <a:lumMod val="40000"/>
+                  <a:lumOff val="60000"/>
+                </a:schemeClr>
+              </a:solidFill>
+            </p:spPr>
+            <p:style>
+              <a:lnRef idx="2">
+                <a:schemeClr val="accent1">
+                  <a:shade val="50000"/>
+                </a:schemeClr>
+              </a:lnRef>
+              <a:fillRef idx="1">
+                <a:schemeClr val="accent1"/>
+              </a:fillRef>
+              <a:effectRef idx="0">
+                <a:schemeClr val="accent1"/>
+              </a:effectRef>
+              <a:fontRef idx="minor">
+                <a:schemeClr val="lt1"/>
+              </a:fontRef>
+            </p:style>
+            <p:txBody>
+              <a:bodyPr rtlCol="0" anchor="ctr"/>
+              <a:lstStyle/>
+              <a:p>
+                <a:pPr algn="ctr"/>
+                <a:endParaRPr lang="de-AT" dirty="0"/>
+              </a:p>
+            </p:txBody>
+          </p:sp>
+          <p:sp>
+            <p:nvSpPr>
+              <p:cNvPr id="6" name="Ellipse 5">
+                <a:extLst>
+                  <a:ext uri="{FF2B5EF4-FFF2-40B4-BE49-F238E27FC236}">
+                    <a16:creationId xmlns:a16="http://schemas.microsoft.com/office/drawing/2014/main" id="{D79F6443-80B9-4E84-9928-0B91D2B30BEB}"/>
+                  </a:ext>
+                </a:extLst>
+              </p:cNvPr>
+              <p:cNvSpPr/>
+              <p:nvPr/>
+            </p:nvSpPr>
+            <p:spPr>
+              <a:xfrm>
+                <a:off x="5493025" y="2060713"/>
+                <a:ext cx="278296" cy="278296"/>
+              </a:xfrm>
+              <a:prstGeom prst="ellipse">
+                <a:avLst/>
+              </a:prstGeom>
+            </p:spPr>
+            <p:style>
+              <a:lnRef idx="2">
+                <a:schemeClr val="accent1">
+                  <a:shade val="50000"/>
+                </a:schemeClr>
+              </a:lnRef>
+              <a:fillRef idx="1">
+                <a:schemeClr val="accent1"/>
+              </a:fillRef>
+              <a:effectRef idx="0">
+                <a:schemeClr val="accent1"/>
+              </a:effectRef>
+              <a:fontRef idx="minor">
+                <a:schemeClr val="lt1"/>
+              </a:fontRef>
+            </p:style>
+            <p:txBody>
+              <a:bodyPr rtlCol="0" anchor="ctr"/>
+              <a:lstStyle/>
+              <a:p>
+                <a:pPr algn="ctr"/>
+                <a:endParaRPr lang="de-AT"/>
+              </a:p>
+            </p:txBody>
+          </p:sp>
+          <p:sp>
+            <p:nvSpPr>
+              <p:cNvPr id="7" name="Ellipse 6">
+                <a:extLst>
+                  <a:ext uri="{FF2B5EF4-FFF2-40B4-BE49-F238E27FC236}">
+                    <a16:creationId xmlns:a16="http://schemas.microsoft.com/office/drawing/2014/main" id="{523254AD-3360-40DE-A1F8-2A8EA8C25ACB}"/>
+                  </a:ext>
+                </a:extLst>
+              </p:cNvPr>
+              <p:cNvSpPr/>
+              <p:nvPr/>
+            </p:nvSpPr>
+            <p:spPr>
+              <a:xfrm>
+                <a:off x="4717772" y="1417982"/>
+                <a:ext cx="583096" cy="583096"/>
+              </a:xfrm>
+              <a:prstGeom prst="ellipse">
+                <a:avLst/>
+              </a:prstGeom>
+              <a:solidFill>
+                <a:schemeClr val="accent2">
+                  <a:lumMod val="40000"/>
+                  <a:lumOff val="60000"/>
+                </a:schemeClr>
+              </a:solidFill>
+            </p:spPr>
+            <p:style>
+              <a:lnRef idx="2">
+                <a:schemeClr val="accent1">
+                  <a:shade val="50000"/>
+                </a:schemeClr>
+              </a:lnRef>
+              <a:fillRef idx="1">
+                <a:schemeClr val="accent1"/>
+              </a:fillRef>
+              <a:effectRef idx="0">
+                <a:schemeClr val="accent1"/>
+              </a:effectRef>
+              <a:fontRef idx="minor">
+                <a:schemeClr val="lt1"/>
+              </a:fontRef>
+            </p:style>
+            <p:txBody>
+              <a:bodyPr rtlCol="0" anchor="ctr"/>
+              <a:lstStyle/>
+              <a:p>
+                <a:pPr algn="ctr"/>
+                <a:endParaRPr lang="de-AT"/>
+              </a:p>
+            </p:txBody>
+          </p:sp>
+          <p:sp>
+            <p:nvSpPr>
+              <p:cNvPr id="8" name="Ellipse 7">
+                <a:extLst>
+                  <a:ext uri="{FF2B5EF4-FFF2-40B4-BE49-F238E27FC236}">
+                    <a16:creationId xmlns:a16="http://schemas.microsoft.com/office/drawing/2014/main" id="{5B504F62-C758-43E6-B6F2-0AB12DBD4B19}"/>
+                  </a:ext>
+                </a:extLst>
+              </p:cNvPr>
+              <p:cNvSpPr/>
+              <p:nvPr/>
+            </p:nvSpPr>
+            <p:spPr>
+              <a:xfrm>
+                <a:off x="5963478" y="1417982"/>
+                <a:ext cx="583096" cy="583096"/>
+              </a:xfrm>
+              <a:prstGeom prst="ellipse">
+                <a:avLst/>
+              </a:prstGeom>
+              <a:solidFill>
+                <a:schemeClr val="accent2">
+                  <a:lumMod val="40000"/>
+                  <a:lumOff val="60000"/>
+                </a:schemeClr>
+              </a:solidFill>
+            </p:spPr>
+            <p:style>
+              <a:lnRef idx="2">
+                <a:schemeClr val="accent1">
+                  <a:shade val="50000"/>
+                </a:schemeClr>
+              </a:lnRef>
+              <a:fillRef idx="1">
+                <a:schemeClr val="accent1"/>
+              </a:fillRef>
+              <a:effectRef idx="0">
+                <a:schemeClr val="accent1"/>
+              </a:effectRef>
+              <a:fontRef idx="minor">
+                <a:schemeClr val="lt1"/>
+              </a:fontRef>
+            </p:style>
+            <p:txBody>
+              <a:bodyPr rtlCol="0" anchor="ctr"/>
+              <a:lstStyle/>
+              <a:p>
+                <a:pPr algn="ctr"/>
+                <a:endParaRPr lang="de-AT"/>
+              </a:p>
+            </p:txBody>
+          </p:sp>
+          <p:sp>
+            <p:nvSpPr>
+              <p:cNvPr id="9" name="Ellipse 8">
+                <a:extLst>
+                  <a:ext uri="{FF2B5EF4-FFF2-40B4-BE49-F238E27FC236}">
+                    <a16:creationId xmlns:a16="http://schemas.microsoft.com/office/drawing/2014/main" id="{72586CFF-6190-40B2-BFAD-1FAC8C2DA421}"/>
+                  </a:ext>
+                </a:extLst>
+              </p:cNvPr>
+              <p:cNvSpPr/>
+              <p:nvPr/>
+            </p:nvSpPr>
+            <p:spPr>
+              <a:xfrm>
+                <a:off x="4724396" y="2471530"/>
+                <a:ext cx="583096" cy="583096"/>
+              </a:xfrm>
+              <a:prstGeom prst="ellipse">
+                <a:avLst/>
+              </a:prstGeom>
+              <a:solidFill>
+                <a:schemeClr val="accent2">
+                  <a:lumMod val="40000"/>
+                  <a:lumOff val="60000"/>
+                </a:schemeClr>
+              </a:solidFill>
+            </p:spPr>
+            <p:style>
+              <a:lnRef idx="2">
+                <a:schemeClr val="accent1">
+                  <a:shade val="50000"/>
+                </a:schemeClr>
+              </a:lnRef>
+              <a:fillRef idx="1">
+                <a:schemeClr val="accent1"/>
+              </a:fillRef>
+              <a:effectRef idx="0">
+                <a:schemeClr val="accent1"/>
+              </a:effectRef>
+              <a:fontRef idx="minor">
+                <a:schemeClr val="lt1"/>
+              </a:fontRef>
+            </p:style>
+            <p:txBody>
+              <a:bodyPr rtlCol="0" anchor="ctr"/>
+              <a:lstStyle/>
+              <a:p>
+                <a:pPr algn="ctr"/>
+                <a:endParaRPr lang="de-AT"/>
+              </a:p>
+            </p:txBody>
+          </p:sp>
+          <p:sp>
+            <p:nvSpPr>
+              <p:cNvPr id="10" name="Ellipse 9">
+                <a:extLst>
+                  <a:ext uri="{FF2B5EF4-FFF2-40B4-BE49-F238E27FC236}">
+                    <a16:creationId xmlns:a16="http://schemas.microsoft.com/office/drawing/2014/main" id="{29A00750-B957-4A41-B314-3E8DEC960E15}"/>
+                  </a:ext>
+                </a:extLst>
+              </p:cNvPr>
+              <p:cNvSpPr/>
+              <p:nvPr/>
+            </p:nvSpPr>
+            <p:spPr>
+              <a:xfrm>
+                <a:off x="5963478" y="2481469"/>
+                <a:ext cx="583096" cy="583096"/>
+              </a:xfrm>
+              <a:prstGeom prst="ellipse">
+                <a:avLst/>
+              </a:prstGeom>
+              <a:solidFill>
+                <a:schemeClr val="accent2">
+                  <a:lumMod val="40000"/>
+                  <a:lumOff val="60000"/>
+                </a:schemeClr>
+              </a:solidFill>
+            </p:spPr>
+            <p:style>
+              <a:lnRef idx="2">
+                <a:schemeClr val="accent1">
+                  <a:shade val="50000"/>
+                </a:schemeClr>
+              </a:lnRef>
+              <a:fillRef idx="1">
+                <a:schemeClr val="accent1"/>
+              </a:fillRef>
+              <a:effectRef idx="0">
+                <a:schemeClr val="accent1"/>
+              </a:effectRef>
+              <a:fontRef idx="minor">
+                <a:schemeClr val="lt1"/>
+              </a:fontRef>
+            </p:style>
+            <p:txBody>
+              <a:bodyPr rtlCol="0" anchor="ctr"/>
+              <a:lstStyle/>
+              <a:p>
+                <a:pPr algn="ctr"/>
+                <a:endParaRPr lang="de-AT"/>
+              </a:p>
+            </p:txBody>
+          </p:sp>
+          <p:cxnSp>
+            <p:nvCxnSpPr>
+              <p:cNvPr id="16" name="Gerader Verbinder 15">
+                <a:extLst>
+                  <a:ext uri="{FF2B5EF4-FFF2-40B4-BE49-F238E27FC236}">
+                    <a16:creationId xmlns:a16="http://schemas.microsoft.com/office/drawing/2014/main" id="{3472D7A0-3A31-47F2-8CC9-79C0CC5353D5}"/>
+                  </a:ext>
+                </a:extLst>
+              </p:cNvPr>
+              <p:cNvCxnSpPr>
+                <a:cxnSpLocks/>
+              </p:cNvCxnSpPr>
+              <p:nvPr/>
+            </p:nvCxnSpPr>
+            <p:spPr>
+              <a:xfrm>
+                <a:off x="5015944" y="1384852"/>
+                <a:ext cx="0" cy="715617"/>
+              </a:xfrm>
+              <a:prstGeom prst="line">
+                <a:avLst/>
+              </a:prstGeom>
+              <a:ln w="9525" cap="flat" cmpd="sng" algn="ctr">
+                <a:solidFill>
+                  <a:schemeClr val="dk1"/>
+                </a:solidFill>
+                <a:prstDash val="dash"/>
+                <a:round/>
+                <a:headEnd type="none" w="med" len="med"/>
+                <a:tailEnd type="none" w="med" len="med"/>
+              </a:ln>
+            </p:spPr>
+            <p:style>
+              <a:lnRef idx="0">
+                <a:scrgbClr r="0" g="0" b="0"/>
+              </a:lnRef>
+              <a:fillRef idx="0">
+                <a:scrgbClr r="0" g="0" b="0"/>
+              </a:fillRef>
+              <a:effectRef idx="0">
+                <a:scrgbClr r="0" g="0" b="0"/>
+              </a:effectRef>
+              <a:fontRef idx="minor">
+                <a:schemeClr val="tx1"/>
+              </a:fontRef>
+            </p:style>
+          </p:cxnSp>
+          <p:cxnSp>
+            <p:nvCxnSpPr>
+              <p:cNvPr id="21" name="Gerader Verbinder 20">
+                <a:extLst>
+                  <a:ext uri="{FF2B5EF4-FFF2-40B4-BE49-F238E27FC236}">
+                    <a16:creationId xmlns:a16="http://schemas.microsoft.com/office/drawing/2014/main" id="{BB28C8FC-C1E4-4315-95BD-70E6EE1D0639}"/>
+                  </a:ext>
+                </a:extLst>
+              </p:cNvPr>
+              <p:cNvCxnSpPr>
+                <a:cxnSpLocks/>
+              </p:cNvCxnSpPr>
+              <p:nvPr/>
+            </p:nvCxnSpPr>
+            <p:spPr>
+              <a:xfrm>
+                <a:off x="6255026" y="1345096"/>
+                <a:ext cx="0" cy="715617"/>
+              </a:xfrm>
+              <a:prstGeom prst="line">
+                <a:avLst/>
+              </a:prstGeom>
+              <a:ln w="9525" cap="flat" cmpd="sng" algn="ctr">
+                <a:solidFill>
+                  <a:schemeClr val="dk1"/>
+                </a:solidFill>
+                <a:prstDash val="dash"/>
+                <a:round/>
+                <a:headEnd type="none" w="med" len="med"/>
+                <a:tailEnd type="none" w="med" len="med"/>
+              </a:ln>
+            </p:spPr>
+            <p:style>
+              <a:lnRef idx="0">
+                <a:scrgbClr r="0" g="0" b="0"/>
+              </a:lnRef>
+              <a:fillRef idx="0">
+                <a:scrgbClr r="0" g="0" b="0"/>
+              </a:fillRef>
+              <a:effectRef idx="0">
+                <a:scrgbClr r="0" g="0" b="0"/>
+              </a:effectRef>
+              <a:fontRef idx="minor">
+                <a:schemeClr val="tx1"/>
+              </a:fontRef>
+            </p:style>
+          </p:cxnSp>
+          <p:cxnSp>
+            <p:nvCxnSpPr>
+              <p:cNvPr id="23" name="Gerader Verbinder 22">
+                <a:extLst>
+                  <a:ext uri="{FF2B5EF4-FFF2-40B4-BE49-F238E27FC236}">
+                    <a16:creationId xmlns:a16="http://schemas.microsoft.com/office/drawing/2014/main" id="{97FE3C5A-CF6A-48D0-814D-3B7D365F889D}"/>
+                  </a:ext>
+                </a:extLst>
+              </p:cNvPr>
+              <p:cNvCxnSpPr>
+                <a:cxnSpLocks/>
+              </p:cNvCxnSpPr>
+              <p:nvPr/>
+            </p:nvCxnSpPr>
+            <p:spPr>
+              <a:xfrm>
+                <a:off x="6255026" y="2415208"/>
+                <a:ext cx="0" cy="715617"/>
+              </a:xfrm>
+              <a:prstGeom prst="line">
+                <a:avLst/>
+              </a:prstGeom>
+              <a:ln w="9525" cap="flat" cmpd="sng" algn="ctr">
+                <a:solidFill>
+                  <a:schemeClr val="dk1"/>
+                </a:solidFill>
+                <a:prstDash val="dash"/>
+                <a:round/>
+                <a:headEnd type="none" w="med" len="med"/>
+                <a:tailEnd type="none" w="med" len="med"/>
+              </a:ln>
+            </p:spPr>
+            <p:style>
+              <a:lnRef idx="0">
+                <a:scrgbClr r="0" g="0" b="0"/>
+              </a:lnRef>
+              <a:fillRef idx="0">
+                <a:scrgbClr r="0" g="0" b="0"/>
+              </a:fillRef>
+              <a:effectRef idx="0">
+                <a:scrgbClr r="0" g="0" b="0"/>
+              </a:effectRef>
+              <a:fontRef idx="minor">
+                <a:schemeClr val="tx1"/>
+              </a:fontRef>
+            </p:style>
+          </p:cxnSp>
+          <p:cxnSp>
+            <p:nvCxnSpPr>
+              <p:cNvPr id="24" name="Gerader Verbinder 23">
+                <a:extLst>
+                  <a:ext uri="{FF2B5EF4-FFF2-40B4-BE49-F238E27FC236}">
+                    <a16:creationId xmlns:a16="http://schemas.microsoft.com/office/drawing/2014/main" id="{15B3A416-271B-49E4-B9B7-A78DEE2D64B6}"/>
+                  </a:ext>
+                </a:extLst>
+              </p:cNvPr>
+              <p:cNvCxnSpPr>
+                <a:cxnSpLocks/>
+              </p:cNvCxnSpPr>
+              <p:nvPr/>
+            </p:nvCxnSpPr>
+            <p:spPr>
+              <a:xfrm>
+                <a:off x="5015944" y="2415208"/>
+                <a:ext cx="0" cy="715617"/>
+              </a:xfrm>
+              <a:prstGeom prst="line">
+                <a:avLst/>
+              </a:prstGeom>
+              <a:ln w="9525" cap="flat" cmpd="sng" algn="ctr">
+                <a:solidFill>
+                  <a:schemeClr val="dk1"/>
+                </a:solidFill>
+                <a:prstDash val="dash"/>
+                <a:round/>
+                <a:headEnd type="none" w="med" len="med"/>
+                <a:tailEnd type="none" w="med" len="med"/>
+              </a:ln>
+            </p:spPr>
+            <p:style>
+              <a:lnRef idx="0">
+                <a:scrgbClr r="0" g="0" b="0"/>
+              </a:lnRef>
+              <a:fillRef idx="0">
+                <a:scrgbClr r="0" g="0" b="0"/>
+              </a:fillRef>
+              <a:effectRef idx="0">
+                <a:scrgbClr r="0" g="0" b="0"/>
+              </a:effectRef>
+              <a:fontRef idx="minor">
+                <a:schemeClr val="tx1"/>
+              </a:fontRef>
+            </p:style>
+          </p:cxnSp>
+          <p:cxnSp>
+            <p:nvCxnSpPr>
+              <p:cNvPr id="27" name="Gerader Verbinder 26">
+                <a:extLst>
+                  <a:ext uri="{FF2B5EF4-FFF2-40B4-BE49-F238E27FC236}">
+                    <a16:creationId xmlns:a16="http://schemas.microsoft.com/office/drawing/2014/main" id="{2BE6F037-4AE4-41DF-B722-ABFB630A6059}"/>
+                  </a:ext>
+                </a:extLst>
+              </p:cNvPr>
+              <p:cNvCxnSpPr>
+                <a:cxnSpLocks/>
+              </p:cNvCxnSpPr>
+              <p:nvPr/>
+            </p:nvCxnSpPr>
+            <p:spPr>
+              <a:xfrm>
+                <a:off x="4714457" y="1702904"/>
+                <a:ext cx="602974" cy="0"/>
+              </a:xfrm>
+              <a:prstGeom prst="line">
+                <a:avLst/>
+              </a:prstGeom>
+              <a:ln w="9525" cap="flat" cmpd="sng" algn="ctr">
+                <a:solidFill>
+                  <a:schemeClr val="dk1"/>
+                </a:solidFill>
+                <a:prstDash val="dash"/>
+                <a:round/>
+                <a:headEnd type="none" w="med" len="med"/>
+                <a:tailEnd type="none" w="med" len="med"/>
+              </a:ln>
+            </p:spPr>
+            <p:style>
+              <a:lnRef idx="0">
+                <a:scrgbClr r="0" g="0" b="0"/>
+              </a:lnRef>
+              <a:fillRef idx="0">
+                <a:scrgbClr r="0" g="0" b="0"/>
+              </a:fillRef>
+              <a:effectRef idx="0">
+                <a:scrgbClr r="0" g="0" b="0"/>
+              </a:effectRef>
+              <a:fontRef idx="minor">
+                <a:schemeClr val="tx1"/>
+              </a:fontRef>
+            </p:style>
+          </p:cxnSp>
+          <p:cxnSp>
+            <p:nvCxnSpPr>
+              <p:cNvPr id="31" name="Gerader Verbinder 30">
+                <a:extLst>
+                  <a:ext uri="{FF2B5EF4-FFF2-40B4-BE49-F238E27FC236}">
+                    <a16:creationId xmlns:a16="http://schemas.microsoft.com/office/drawing/2014/main" id="{13D21747-B4B0-472D-90DD-B974BA306EA4}"/>
+                  </a:ext>
+                </a:extLst>
+              </p:cNvPr>
+              <p:cNvCxnSpPr>
+                <a:cxnSpLocks/>
+              </p:cNvCxnSpPr>
+              <p:nvPr/>
+            </p:nvCxnSpPr>
+            <p:spPr>
+              <a:xfrm>
+                <a:off x="5872370" y="1702904"/>
+                <a:ext cx="765311" cy="0"/>
+              </a:xfrm>
+              <a:prstGeom prst="line">
+                <a:avLst/>
+              </a:prstGeom>
+              <a:ln w="9525" cap="flat" cmpd="sng" algn="ctr">
+                <a:solidFill>
+                  <a:schemeClr val="dk1"/>
+                </a:solidFill>
+                <a:prstDash val="dash"/>
+                <a:round/>
+                <a:headEnd type="none" w="med" len="med"/>
+                <a:tailEnd type="none" w="med" len="med"/>
+              </a:ln>
+            </p:spPr>
+            <p:style>
+              <a:lnRef idx="0">
+                <a:scrgbClr r="0" g="0" b="0"/>
+              </a:lnRef>
+              <a:fillRef idx="0">
+                <a:scrgbClr r="0" g="0" b="0"/>
+              </a:fillRef>
+              <a:effectRef idx="0">
+                <a:scrgbClr r="0" g="0" b="0"/>
+              </a:effectRef>
+              <a:fontRef idx="minor">
+                <a:schemeClr val="tx1"/>
+              </a:fontRef>
+            </p:style>
+          </p:cxnSp>
+          <p:cxnSp>
+            <p:nvCxnSpPr>
+              <p:cNvPr id="32" name="Gerader Verbinder 31">
+                <a:extLst>
+                  <a:ext uri="{FF2B5EF4-FFF2-40B4-BE49-F238E27FC236}">
+                    <a16:creationId xmlns:a16="http://schemas.microsoft.com/office/drawing/2014/main" id="{8C565E9C-B1BC-4679-9578-F1513EE88A70}"/>
+                  </a:ext>
+                </a:extLst>
+              </p:cNvPr>
+              <p:cNvCxnSpPr>
+                <a:cxnSpLocks/>
+              </p:cNvCxnSpPr>
+              <p:nvPr/>
+            </p:nvCxnSpPr>
+            <p:spPr>
+              <a:xfrm>
+                <a:off x="5872370" y="2789581"/>
+                <a:ext cx="755374" cy="0"/>
+              </a:xfrm>
+              <a:prstGeom prst="line">
+                <a:avLst/>
+              </a:prstGeom>
+              <a:ln w="9525" cap="flat" cmpd="sng" algn="ctr">
+                <a:solidFill>
+                  <a:schemeClr val="dk1"/>
+                </a:solidFill>
+                <a:prstDash val="dash"/>
+                <a:round/>
+                <a:headEnd type="none" w="med" len="med"/>
+                <a:tailEnd type="none" w="med" len="med"/>
+              </a:ln>
+            </p:spPr>
+            <p:style>
+              <a:lnRef idx="0">
+                <a:scrgbClr r="0" g="0" b="0"/>
+              </a:lnRef>
+              <a:fillRef idx="0">
+                <a:scrgbClr r="0" g="0" b="0"/>
+              </a:fillRef>
+              <a:effectRef idx="0">
+                <a:scrgbClr r="0" g="0" b="0"/>
+              </a:effectRef>
+              <a:fontRef idx="minor">
+                <a:schemeClr val="tx1"/>
+              </a:fontRef>
+            </p:style>
+          </p:cxnSp>
+          <p:cxnSp>
+            <p:nvCxnSpPr>
+              <p:cNvPr id="33" name="Gerader Verbinder 32">
+                <a:extLst>
+                  <a:ext uri="{FF2B5EF4-FFF2-40B4-BE49-F238E27FC236}">
+                    <a16:creationId xmlns:a16="http://schemas.microsoft.com/office/drawing/2014/main" id="{07025CF5-B272-4032-8F1B-CFBC22278D3E}"/>
+                  </a:ext>
+                </a:extLst>
+              </p:cNvPr>
+              <p:cNvCxnSpPr>
+                <a:cxnSpLocks/>
+              </p:cNvCxnSpPr>
+              <p:nvPr/>
+            </p:nvCxnSpPr>
+            <p:spPr>
+              <a:xfrm>
+                <a:off x="4714457" y="2789581"/>
+                <a:ext cx="755374" cy="0"/>
+              </a:xfrm>
+              <a:prstGeom prst="line">
+                <a:avLst/>
+              </a:prstGeom>
+              <a:ln w="9525" cap="flat" cmpd="sng" algn="ctr">
+                <a:solidFill>
+                  <a:schemeClr val="dk1"/>
+                </a:solidFill>
+                <a:prstDash val="dash"/>
+                <a:round/>
+                <a:headEnd type="none" w="med" len="med"/>
+                <a:tailEnd type="none" w="med" len="med"/>
+              </a:ln>
+            </p:spPr>
+            <p:style>
+              <a:lnRef idx="0">
+                <a:scrgbClr r="0" g="0" b="0"/>
+              </a:lnRef>
+              <a:fillRef idx="0">
+                <a:scrgbClr r="0" g="0" b="0"/>
+              </a:fillRef>
+              <a:effectRef idx="0">
+                <a:scrgbClr r="0" g="0" b="0"/>
+              </a:effectRef>
+              <a:fontRef idx="minor">
+                <a:schemeClr val="tx1"/>
+              </a:fontRef>
+            </p:style>
+          </p:cxnSp>
+          <p:cxnSp>
+            <p:nvCxnSpPr>
+              <p:cNvPr id="40" name="Gerader Verbinder 39">
+                <a:extLst>
+                  <a:ext uri="{FF2B5EF4-FFF2-40B4-BE49-F238E27FC236}">
+                    <a16:creationId xmlns:a16="http://schemas.microsoft.com/office/drawing/2014/main" id="{5CEEC794-6E1F-4530-B8DD-2E5542B853C6}"/>
+                  </a:ext>
+                </a:extLst>
+              </p:cNvPr>
+              <p:cNvCxnSpPr>
+                <a:cxnSpLocks/>
+              </p:cNvCxnSpPr>
+              <p:nvPr/>
+            </p:nvCxnSpPr>
+            <p:spPr>
+              <a:xfrm>
+                <a:off x="3912703" y="2199861"/>
+                <a:ext cx="3415749" cy="0"/>
+              </a:xfrm>
+              <a:prstGeom prst="line">
+                <a:avLst/>
+              </a:prstGeom>
+              <a:ln w="9525" cap="flat" cmpd="sng" algn="ctr">
+                <a:solidFill>
+                  <a:schemeClr val="dk1"/>
+                </a:solidFill>
+                <a:prstDash val="dash"/>
+                <a:round/>
+                <a:headEnd type="none" w="med" len="med"/>
+                <a:tailEnd type="none" w="med" len="med"/>
+              </a:ln>
+            </p:spPr>
+            <p:style>
+              <a:lnRef idx="0">
+                <a:scrgbClr r="0" g="0" b="0"/>
+              </a:lnRef>
+              <a:fillRef idx="0">
+                <a:scrgbClr r="0" g="0" b="0"/>
+              </a:fillRef>
+              <a:effectRef idx="0">
+                <a:scrgbClr r="0" g="0" b="0"/>
+              </a:effectRef>
+              <a:fontRef idx="minor">
+                <a:schemeClr val="tx1"/>
+              </a:fontRef>
+            </p:style>
+          </p:cxnSp>
+        </p:grpSp>
+        <p:cxnSp>
+          <p:nvCxnSpPr>
+            <p:cNvPr id="28" name="Gerader Verbinder 27">
+              <a:extLst>
+                <a:ext uri="{FF2B5EF4-FFF2-40B4-BE49-F238E27FC236}">
+                  <a16:creationId xmlns:a16="http://schemas.microsoft.com/office/drawing/2014/main" id="{A4BC1624-1514-4052-A76A-FC5496B3A229}"/>
+                </a:ext>
+              </a:extLst>
+            </p:cNvPr>
+            <p:cNvCxnSpPr>
+              <a:cxnSpLocks/>
+            </p:cNvCxnSpPr>
+            <p:nvPr/>
+          </p:nvCxnSpPr>
+          <p:spPr>
+            <a:xfrm>
+              <a:off x="5718574" y="386226"/>
+              <a:ext cx="0" cy="5844209"/>
+            </a:xfrm>
+            <a:prstGeom prst="line">
+              <a:avLst/>
+            </a:prstGeom>
+            <a:ln w="9525" cap="flat" cmpd="sng" algn="ctr">
+              <a:solidFill>
+                <a:schemeClr val="dk1"/>
+              </a:solidFill>
+              <a:prstDash val="dash"/>
+              <a:round/>
+              <a:headEnd type="none" w="med" len="med"/>
+              <a:tailEnd type="none" w="med" len="med"/>
+            </a:ln>
+          </p:spPr>
+          <p:style>
+            <a:lnRef idx="0">
+              <a:scrgbClr r="0" g="0" b="0"/>
+            </a:lnRef>
+            <a:fillRef idx="0">
+              <a:scrgbClr r="0" g="0" b="0"/>
+            </a:fillRef>
+            <a:effectRef idx="0">
+              <a:scrgbClr r="0" g="0" b="0"/>
+            </a:effectRef>
+            <a:fontRef idx="minor">
+              <a:schemeClr val="tx1"/>
+            </a:fontRef>
+          </p:style>
+        </p:cxnSp>
+      </p:grpSp>
     </p:spTree>
     <p:extLst>
       <p:ext uri="{BB962C8B-B14F-4D97-AF65-F5344CB8AC3E}">
